--- a/_posts/2020届IC企业校招部分笔试题/2020届IC企业校招部分笔试题.pptx
+++ b/_posts/2020届IC企业校招部分笔试题/2020届IC企业校招部分笔试题.pptx
@@ -7,6 +7,7 @@
   <p:sldIdLst>
     <p:sldId id="256" r:id="rId2"/>
     <p:sldId id="257" r:id="rId3"/>
+    <p:sldId id="258" r:id="rId4"/>
   </p:sldIdLst>
   <p:sldSz cx="12192000" cy="6858000"/>
   <p:notesSz cx="6858000" cy="9144000"/>
@@ -260,7 +261,7 @@
           <a:p>
             <a:fld id="{89D526D8-EA24-4B71-BC4D-9EC14D264DD2}" type="datetimeFigureOut">
               <a:rPr lang="zh-CN" altLang="en-US" smtClean="0"/>
-              <a:t>2019/12/30</a:t>
+              <a:t>2020/4/14</a:t>
             </a:fld>
             <a:endParaRPr lang="zh-CN" altLang="en-US"/>
           </a:p>
@@ -458,7 +459,7 @@
           <a:p>
             <a:fld id="{89D526D8-EA24-4B71-BC4D-9EC14D264DD2}" type="datetimeFigureOut">
               <a:rPr lang="zh-CN" altLang="en-US" smtClean="0"/>
-              <a:t>2019/12/30</a:t>
+              <a:t>2020/4/14</a:t>
             </a:fld>
             <a:endParaRPr lang="zh-CN" altLang="en-US"/>
           </a:p>
@@ -666,7 +667,7 @@
           <a:p>
             <a:fld id="{89D526D8-EA24-4B71-BC4D-9EC14D264DD2}" type="datetimeFigureOut">
               <a:rPr lang="zh-CN" altLang="en-US" smtClean="0"/>
-              <a:t>2019/12/30</a:t>
+              <a:t>2020/4/14</a:t>
             </a:fld>
             <a:endParaRPr lang="zh-CN" altLang="en-US"/>
           </a:p>
@@ -864,7 +865,7 @@
           <a:p>
             <a:fld id="{89D526D8-EA24-4B71-BC4D-9EC14D264DD2}" type="datetimeFigureOut">
               <a:rPr lang="zh-CN" altLang="en-US" smtClean="0"/>
-              <a:t>2019/12/30</a:t>
+              <a:t>2020/4/14</a:t>
             </a:fld>
             <a:endParaRPr lang="zh-CN" altLang="en-US"/>
           </a:p>
@@ -1139,7 +1140,7 @@
           <a:p>
             <a:fld id="{89D526D8-EA24-4B71-BC4D-9EC14D264DD2}" type="datetimeFigureOut">
               <a:rPr lang="zh-CN" altLang="en-US" smtClean="0"/>
-              <a:t>2019/12/30</a:t>
+              <a:t>2020/4/14</a:t>
             </a:fld>
             <a:endParaRPr lang="zh-CN" altLang="en-US"/>
           </a:p>
@@ -1404,7 +1405,7 @@
           <a:p>
             <a:fld id="{89D526D8-EA24-4B71-BC4D-9EC14D264DD2}" type="datetimeFigureOut">
               <a:rPr lang="zh-CN" altLang="en-US" smtClean="0"/>
-              <a:t>2019/12/30</a:t>
+              <a:t>2020/4/14</a:t>
             </a:fld>
             <a:endParaRPr lang="zh-CN" altLang="en-US"/>
           </a:p>
@@ -1816,7 +1817,7 @@
           <a:p>
             <a:fld id="{89D526D8-EA24-4B71-BC4D-9EC14D264DD2}" type="datetimeFigureOut">
               <a:rPr lang="zh-CN" altLang="en-US" smtClean="0"/>
-              <a:t>2019/12/30</a:t>
+              <a:t>2020/4/14</a:t>
             </a:fld>
             <a:endParaRPr lang="zh-CN" altLang="en-US"/>
           </a:p>
@@ -1957,7 +1958,7 @@
           <a:p>
             <a:fld id="{89D526D8-EA24-4B71-BC4D-9EC14D264DD2}" type="datetimeFigureOut">
               <a:rPr lang="zh-CN" altLang="en-US" smtClean="0"/>
-              <a:t>2019/12/30</a:t>
+              <a:t>2020/4/14</a:t>
             </a:fld>
             <a:endParaRPr lang="zh-CN" altLang="en-US"/>
           </a:p>
@@ -2070,7 +2071,7 @@
           <a:p>
             <a:fld id="{89D526D8-EA24-4B71-BC4D-9EC14D264DD2}" type="datetimeFigureOut">
               <a:rPr lang="zh-CN" altLang="en-US" smtClean="0"/>
-              <a:t>2019/12/30</a:t>
+              <a:t>2020/4/14</a:t>
             </a:fld>
             <a:endParaRPr lang="zh-CN" altLang="en-US"/>
           </a:p>
@@ -2381,7 +2382,7 @@
           <a:p>
             <a:fld id="{89D526D8-EA24-4B71-BC4D-9EC14D264DD2}" type="datetimeFigureOut">
               <a:rPr lang="zh-CN" altLang="en-US" smtClean="0"/>
-              <a:t>2019/12/30</a:t>
+              <a:t>2020/4/14</a:t>
             </a:fld>
             <a:endParaRPr lang="zh-CN" altLang="en-US"/>
           </a:p>
@@ -2669,7 +2670,7 @@
           <a:p>
             <a:fld id="{89D526D8-EA24-4B71-BC4D-9EC14D264DD2}" type="datetimeFigureOut">
               <a:rPr lang="zh-CN" altLang="en-US" smtClean="0"/>
-              <a:t>2019/12/30</a:t>
+              <a:t>2020/4/14</a:t>
             </a:fld>
             <a:endParaRPr lang="zh-CN" altLang="en-US"/>
           </a:p>
@@ -2910,7 +2911,7 @@
           <a:p>
             <a:fld id="{89D526D8-EA24-4B71-BC4D-9EC14D264DD2}" type="datetimeFigureOut">
               <a:rPr lang="zh-CN" altLang="en-US" smtClean="0"/>
-              <a:t>2019/12/30</a:t>
+              <a:t>2020/4/14</a:t>
             </a:fld>
             <a:endParaRPr lang="zh-CN" altLang="en-US"/>
           </a:p>
@@ -5345,6 +5346,1210 @@
 </p:sld>
 </file>
 
+<file path=ppt/slides/slide3.xml><?xml version="1.0" encoding="utf-8"?>
+<p:sld xmlns:a="http://schemas.openxmlformats.org/drawingml/2006/main" xmlns:r="http://schemas.openxmlformats.org/officeDocument/2006/relationships" xmlns:p="http://schemas.openxmlformats.org/presentationml/2006/main">
+  <p:cSld>
+    <p:spTree>
+      <p:nvGrpSpPr>
+        <p:cNvPr id="1" name=""/>
+        <p:cNvGrpSpPr/>
+        <p:nvPr/>
+      </p:nvGrpSpPr>
+      <p:grpSpPr>
+        <a:xfrm>
+          <a:off x="0" y="0"/>
+          <a:ext cx="0" cy="0"/>
+          <a:chOff x="0" y="0"/>
+          <a:chExt cx="0" cy="0"/>
+        </a:xfrm>
+      </p:grpSpPr>
+      <p:sp>
+        <p:nvSpPr>
+          <p:cNvPr id="4" name="矩形 3">
+            <a:extLst>
+              <a:ext uri="{FF2B5EF4-FFF2-40B4-BE49-F238E27FC236}">
+                <a16:creationId xmlns:a16="http://schemas.microsoft.com/office/drawing/2014/main" id="{DE214634-10F6-4604-A45F-77616DBD49ED}"/>
+              </a:ext>
+            </a:extLst>
+          </p:cNvPr>
+          <p:cNvSpPr/>
+          <p:nvPr/>
+        </p:nvSpPr>
+        <p:spPr>
+          <a:xfrm>
+            <a:off x="4653496" y="2543242"/>
+            <a:ext cx="575953" cy="1033153"/>
+          </a:xfrm>
+          <a:prstGeom prst="rect">
+            <a:avLst/>
+          </a:prstGeom>
+          <a:noFill/>
+        </p:spPr>
+        <p:style>
+          <a:lnRef idx="2">
+            <a:schemeClr val="accent1">
+              <a:shade val="50000"/>
+            </a:schemeClr>
+          </a:lnRef>
+          <a:fillRef idx="1">
+            <a:schemeClr val="accent1"/>
+          </a:fillRef>
+          <a:effectRef idx="0">
+            <a:schemeClr val="accent1"/>
+          </a:effectRef>
+          <a:fontRef idx="minor">
+            <a:schemeClr val="lt1"/>
+          </a:fontRef>
+        </p:style>
+        <p:txBody>
+          <a:bodyPr rtlCol="0" anchor="ctr"/>
+          <a:lstStyle/>
+          <a:p>
+            <a:pPr algn="ctr"/>
+            <a:endParaRPr lang="zh-CN" altLang="en-US" dirty="0">
+              <a:solidFill>
+                <a:schemeClr val="tx1"/>
+              </a:solidFill>
+            </a:endParaRPr>
+          </a:p>
+        </p:txBody>
+      </p:sp>
+      <p:sp>
+        <p:nvSpPr>
+          <p:cNvPr id="5" name="直角三角形 4">
+            <a:extLst>
+              <a:ext uri="{FF2B5EF4-FFF2-40B4-BE49-F238E27FC236}">
+                <a16:creationId xmlns:a16="http://schemas.microsoft.com/office/drawing/2014/main" id="{B9C0A624-CB4E-428B-9560-684E4E97B709}"/>
+              </a:ext>
+            </a:extLst>
+          </p:cNvPr>
+          <p:cNvSpPr/>
+          <p:nvPr/>
+        </p:nvSpPr>
+        <p:spPr>
+          <a:xfrm rot="13320000">
+            <a:off x="4550005" y="3200918"/>
+            <a:ext cx="206982" cy="226517"/>
+          </a:xfrm>
+          <a:prstGeom prst="rtTriangle">
+            <a:avLst/>
+          </a:prstGeom>
+          <a:noFill/>
+        </p:spPr>
+        <p:style>
+          <a:lnRef idx="2">
+            <a:schemeClr val="accent1">
+              <a:shade val="50000"/>
+            </a:schemeClr>
+          </a:lnRef>
+          <a:fillRef idx="1">
+            <a:schemeClr val="accent1"/>
+          </a:fillRef>
+          <a:effectRef idx="0">
+            <a:schemeClr val="accent1"/>
+          </a:effectRef>
+          <a:fontRef idx="minor">
+            <a:schemeClr val="lt1"/>
+          </a:fontRef>
+        </p:style>
+        <p:txBody>
+          <a:bodyPr rtlCol="0" anchor="ctr"/>
+          <a:lstStyle/>
+          <a:p>
+            <a:pPr algn="ctr"/>
+            <a:endParaRPr lang="zh-CN" altLang="en-US"/>
+          </a:p>
+        </p:txBody>
+      </p:sp>
+      <p:cxnSp>
+        <p:nvCxnSpPr>
+          <p:cNvPr id="6" name="直接连接符 5">
+            <a:extLst>
+              <a:ext uri="{FF2B5EF4-FFF2-40B4-BE49-F238E27FC236}">
+                <a16:creationId xmlns:a16="http://schemas.microsoft.com/office/drawing/2014/main" id="{124DDEEC-AB83-49C6-9CBC-71B722D65379}"/>
+              </a:ext>
+            </a:extLst>
+          </p:cNvPr>
+          <p:cNvCxnSpPr>
+            <a:cxnSpLocks/>
+            <a:stCxn id="5" idx="5"/>
+          </p:cNvCxnSpPr>
+          <p:nvPr/>
+        </p:nvCxnSpPr>
+        <p:spPr>
+          <a:xfrm flipH="1">
+            <a:off x="2842260" y="3314176"/>
+            <a:ext cx="1811236" cy="0"/>
+          </a:xfrm>
+          <a:prstGeom prst="line">
+            <a:avLst/>
+          </a:prstGeom>
+        </p:spPr>
+        <p:style>
+          <a:lnRef idx="1">
+            <a:schemeClr val="accent1"/>
+          </a:lnRef>
+          <a:fillRef idx="0">
+            <a:schemeClr val="accent1"/>
+          </a:fillRef>
+          <a:effectRef idx="0">
+            <a:schemeClr val="accent1"/>
+          </a:effectRef>
+          <a:fontRef idx="minor">
+            <a:schemeClr val="tx1"/>
+          </a:fontRef>
+        </p:style>
+      </p:cxnSp>
+      <p:cxnSp>
+        <p:nvCxnSpPr>
+          <p:cNvPr id="7" name="直接连接符 6">
+            <a:extLst>
+              <a:ext uri="{FF2B5EF4-FFF2-40B4-BE49-F238E27FC236}">
+                <a16:creationId xmlns:a16="http://schemas.microsoft.com/office/drawing/2014/main" id="{4008EFBC-AE41-4273-881A-83183733C4F1}"/>
+              </a:ext>
+            </a:extLst>
+          </p:cNvPr>
+          <p:cNvCxnSpPr>
+            <a:cxnSpLocks/>
+          </p:cNvCxnSpPr>
+          <p:nvPr/>
+        </p:nvCxnSpPr>
+        <p:spPr>
+          <a:xfrm>
+            <a:off x="4399256" y="2787650"/>
+            <a:ext cx="254240" cy="0"/>
+          </a:xfrm>
+          <a:prstGeom prst="line">
+            <a:avLst/>
+          </a:prstGeom>
+        </p:spPr>
+        <p:style>
+          <a:lnRef idx="1">
+            <a:schemeClr val="accent1"/>
+          </a:lnRef>
+          <a:fillRef idx="0">
+            <a:schemeClr val="accent1"/>
+          </a:fillRef>
+          <a:effectRef idx="0">
+            <a:schemeClr val="accent1"/>
+          </a:effectRef>
+          <a:fontRef idx="minor">
+            <a:schemeClr val="tx1"/>
+          </a:fontRef>
+        </p:style>
+      </p:cxnSp>
+      <p:cxnSp>
+        <p:nvCxnSpPr>
+          <p:cNvPr id="8" name="直接连接符 7">
+            <a:extLst>
+              <a:ext uri="{FF2B5EF4-FFF2-40B4-BE49-F238E27FC236}">
+                <a16:creationId xmlns:a16="http://schemas.microsoft.com/office/drawing/2014/main" id="{4664027E-A865-4B05-B37E-9B5C8ED6178A}"/>
+              </a:ext>
+            </a:extLst>
+          </p:cNvPr>
+          <p:cNvCxnSpPr>
+            <a:cxnSpLocks/>
+            <a:endCxn id="12" idx="2"/>
+          </p:cNvCxnSpPr>
+          <p:nvPr/>
+        </p:nvCxnSpPr>
+        <p:spPr>
+          <a:xfrm>
+            <a:off x="5229449" y="2787650"/>
+            <a:ext cx="499044" cy="0"/>
+          </a:xfrm>
+          <a:prstGeom prst="line">
+            <a:avLst/>
+          </a:prstGeom>
+        </p:spPr>
+        <p:style>
+          <a:lnRef idx="1">
+            <a:schemeClr val="accent1"/>
+          </a:lnRef>
+          <a:fillRef idx="0">
+            <a:schemeClr val="accent1"/>
+          </a:fillRef>
+          <a:effectRef idx="0">
+            <a:schemeClr val="accent1"/>
+          </a:effectRef>
+          <a:fontRef idx="minor">
+            <a:schemeClr val="tx1"/>
+          </a:fontRef>
+        </p:style>
+      </p:cxnSp>
+      <p:sp>
+        <p:nvSpPr>
+          <p:cNvPr id="9" name="文本框 8">
+            <a:extLst>
+              <a:ext uri="{FF2B5EF4-FFF2-40B4-BE49-F238E27FC236}">
+                <a16:creationId xmlns:a16="http://schemas.microsoft.com/office/drawing/2014/main" id="{1F732BAB-2276-400F-9106-89764B74A7B8}"/>
+              </a:ext>
+            </a:extLst>
+          </p:cNvPr>
+          <p:cNvSpPr txBox="1"/>
+          <p:nvPr/>
+        </p:nvSpPr>
+        <p:spPr>
+          <a:xfrm>
+            <a:off x="4601905" y="2589239"/>
+            <a:ext cx="343364" cy="369332"/>
+          </a:xfrm>
+          <a:prstGeom prst="rect">
+            <a:avLst/>
+          </a:prstGeom>
+          <a:noFill/>
+        </p:spPr>
+        <p:txBody>
+          <a:bodyPr wrap="none" rtlCol="0">
+            <a:spAutoFit/>
+          </a:bodyPr>
+          <a:lstStyle/>
+          <a:p>
+            <a:r>
+              <a:rPr lang="en-US" altLang="zh-CN" dirty="0"/>
+              <a:t>D</a:t>
+            </a:r>
+            <a:endParaRPr lang="zh-CN" altLang="en-US" dirty="0"/>
+          </a:p>
+        </p:txBody>
+      </p:sp>
+      <p:sp>
+        <p:nvSpPr>
+          <p:cNvPr id="10" name="云形 9">
+            <a:extLst>
+              <a:ext uri="{FF2B5EF4-FFF2-40B4-BE49-F238E27FC236}">
+                <a16:creationId xmlns:a16="http://schemas.microsoft.com/office/drawing/2014/main" id="{118513BE-A21C-4359-B76A-0B19C8066592}"/>
+              </a:ext>
+            </a:extLst>
+          </p:cNvPr>
+          <p:cNvSpPr/>
+          <p:nvPr/>
+        </p:nvSpPr>
+        <p:spPr>
+          <a:xfrm>
+            <a:off x="3606153" y="2522622"/>
+            <a:ext cx="793103" cy="558092"/>
+          </a:xfrm>
+          <a:prstGeom prst="cloud">
+            <a:avLst/>
+          </a:prstGeom>
+          <a:noFill/>
+        </p:spPr>
+        <p:style>
+          <a:lnRef idx="2">
+            <a:schemeClr val="accent1">
+              <a:shade val="50000"/>
+            </a:schemeClr>
+          </a:lnRef>
+          <a:fillRef idx="1">
+            <a:schemeClr val="accent1"/>
+          </a:fillRef>
+          <a:effectRef idx="0">
+            <a:schemeClr val="accent1"/>
+          </a:effectRef>
+          <a:fontRef idx="minor">
+            <a:schemeClr val="lt1"/>
+          </a:fontRef>
+        </p:style>
+        <p:txBody>
+          <a:bodyPr rtlCol="0" anchor="ctr"/>
+          <a:lstStyle/>
+          <a:p>
+            <a:pPr algn="ctr"/>
+            <a:r>
+              <a:rPr lang="en-US" altLang="zh-CN" dirty="0">
+                <a:solidFill>
+                  <a:schemeClr val="tx1"/>
+                </a:solidFill>
+              </a:rPr>
+              <a:t>P1</a:t>
+            </a:r>
+            <a:endParaRPr lang="zh-CN" altLang="en-US" dirty="0">
+              <a:solidFill>
+                <a:schemeClr val="tx1"/>
+              </a:solidFill>
+            </a:endParaRPr>
+          </a:p>
+        </p:txBody>
+      </p:sp>
+      <p:sp>
+        <p:nvSpPr>
+          <p:cNvPr id="11" name="云形 10">
+            <a:extLst>
+              <a:ext uri="{FF2B5EF4-FFF2-40B4-BE49-F238E27FC236}">
+                <a16:creationId xmlns:a16="http://schemas.microsoft.com/office/drawing/2014/main" id="{53C60C8B-6F80-4FDB-BB40-4529C73D2FCD}"/>
+              </a:ext>
+            </a:extLst>
+          </p:cNvPr>
+          <p:cNvSpPr/>
+          <p:nvPr/>
+        </p:nvSpPr>
+        <p:spPr>
+          <a:xfrm>
+            <a:off x="5295106" y="4070350"/>
+            <a:ext cx="1114816" cy="739022"/>
+          </a:xfrm>
+          <a:prstGeom prst="cloud">
+            <a:avLst/>
+          </a:prstGeom>
+          <a:noFill/>
+        </p:spPr>
+        <p:style>
+          <a:lnRef idx="2">
+            <a:schemeClr val="accent1">
+              <a:shade val="50000"/>
+            </a:schemeClr>
+          </a:lnRef>
+          <a:fillRef idx="1">
+            <a:schemeClr val="accent1"/>
+          </a:fillRef>
+          <a:effectRef idx="0">
+            <a:schemeClr val="accent1"/>
+          </a:effectRef>
+          <a:fontRef idx="minor">
+            <a:schemeClr val="lt1"/>
+          </a:fontRef>
+        </p:style>
+        <p:txBody>
+          <a:bodyPr rtlCol="0" anchor="ctr"/>
+          <a:lstStyle/>
+          <a:p>
+            <a:pPr algn="ctr"/>
+            <a:r>
+              <a:rPr lang="en-US" altLang="zh-CN" dirty="0">
+                <a:solidFill>
+                  <a:schemeClr val="tx1"/>
+                </a:solidFill>
+              </a:rPr>
+              <a:t>P4</a:t>
+            </a:r>
+            <a:endParaRPr lang="zh-CN" altLang="en-US" dirty="0">
+              <a:solidFill>
+                <a:schemeClr val="tx1"/>
+              </a:solidFill>
+            </a:endParaRPr>
+          </a:p>
+        </p:txBody>
+      </p:sp>
+      <p:sp>
+        <p:nvSpPr>
+          <p:cNvPr id="12" name="云形 11">
+            <a:extLst>
+              <a:ext uri="{FF2B5EF4-FFF2-40B4-BE49-F238E27FC236}">
+                <a16:creationId xmlns:a16="http://schemas.microsoft.com/office/drawing/2014/main" id="{75E0094C-F504-42D7-AF8A-135F85179082}"/>
+              </a:ext>
+            </a:extLst>
+          </p:cNvPr>
+          <p:cNvSpPr/>
+          <p:nvPr/>
+        </p:nvSpPr>
+        <p:spPr>
+          <a:xfrm>
+            <a:off x="5726033" y="2508604"/>
+            <a:ext cx="793103" cy="558092"/>
+          </a:xfrm>
+          <a:prstGeom prst="cloud">
+            <a:avLst/>
+          </a:prstGeom>
+          <a:noFill/>
+        </p:spPr>
+        <p:style>
+          <a:lnRef idx="2">
+            <a:schemeClr val="accent1">
+              <a:shade val="50000"/>
+            </a:schemeClr>
+          </a:lnRef>
+          <a:fillRef idx="1">
+            <a:schemeClr val="accent1"/>
+          </a:fillRef>
+          <a:effectRef idx="0">
+            <a:schemeClr val="accent1"/>
+          </a:effectRef>
+          <a:fontRef idx="minor">
+            <a:schemeClr val="lt1"/>
+          </a:fontRef>
+        </p:style>
+        <p:txBody>
+          <a:bodyPr rtlCol="0" anchor="ctr"/>
+          <a:lstStyle/>
+          <a:p>
+            <a:pPr algn="ctr"/>
+            <a:r>
+              <a:rPr lang="en-US" altLang="zh-CN" dirty="0">
+                <a:solidFill>
+                  <a:schemeClr val="tx1"/>
+                </a:solidFill>
+              </a:rPr>
+              <a:t>P2</a:t>
+            </a:r>
+            <a:endParaRPr lang="zh-CN" altLang="en-US" dirty="0">
+              <a:solidFill>
+                <a:schemeClr val="tx1"/>
+              </a:solidFill>
+            </a:endParaRPr>
+          </a:p>
+        </p:txBody>
+      </p:sp>
+      <p:cxnSp>
+        <p:nvCxnSpPr>
+          <p:cNvPr id="13" name="直接连接符 12">
+            <a:extLst>
+              <a:ext uri="{FF2B5EF4-FFF2-40B4-BE49-F238E27FC236}">
+                <a16:creationId xmlns:a16="http://schemas.microsoft.com/office/drawing/2014/main" id="{EBDE54BF-5425-4514-B2E3-35C4F873A779}"/>
+              </a:ext>
+            </a:extLst>
+          </p:cNvPr>
+          <p:cNvCxnSpPr>
+            <a:cxnSpLocks/>
+            <a:stCxn id="10" idx="2"/>
+          </p:cNvCxnSpPr>
+          <p:nvPr/>
+        </p:nvCxnSpPr>
+        <p:spPr>
+          <a:xfrm flipH="1">
+            <a:off x="2842260" y="2801668"/>
+            <a:ext cx="766353" cy="0"/>
+          </a:xfrm>
+          <a:prstGeom prst="line">
+            <a:avLst/>
+          </a:prstGeom>
+        </p:spPr>
+        <p:style>
+          <a:lnRef idx="1">
+            <a:schemeClr val="accent1"/>
+          </a:lnRef>
+          <a:fillRef idx="0">
+            <a:schemeClr val="accent1"/>
+          </a:fillRef>
+          <a:effectRef idx="0">
+            <a:schemeClr val="accent1"/>
+          </a:effectRef>
+          <a:fontRef idx="minor">
+            <a:schemeClr val="tx1"/>
+          </a:fontRef>
+        </p:style>
+      </p:cxnSp>
+      <p:cxnSp>
+        <p:nvCxnSpPr>
+          <p:cNvPr id="16" name="直接连接符 15">
+            <a:extLst>
+              <a:ext uri="{FF2B5EF4-FFF2-40B4-BE49-F238E27FC236}">
+                <a16:creationId xmlns:a16="http://schemas.microsoft.com/office/drawing/2014/main" id="{459CA40A-71DF-4BDE-A20D-F51612FC1396}"/>
+              </a:ext>
+            </a:extLst>
+          </p:cNvPr>
+          <p:cNvCxnSpPr>
+            <a:cxnSpLocks/>
+          </p:cNvCxnSpPr>
+          <p:nvPr/>
+        </p:nvCxnSpPr>
+        <p:spPr>
+          <a:xfrm flipH="1">
+            <a:off x="8838581" y="2763386"/>
+            <a:ext cx="778968" cy="0"/>
+          </a:xfrm>
+          <a:prstGeom prst="line">
+            <a:avLst/>
+          </a:prstGeom>
+        </p:spPr>
+        <p:style>
+          <a:lnRef idx="1">
+            <a:schemeClr val="accent1"/>
+          </a:lnRef>
+          <a:fillRef idx="0">
+            <a:schemeClr val="accent1"/>
+          </a:fillRef>
+          <a:effectRef idx="0">
+            <a:schemeClr val="accent1"/>
+          </a:effectRef>
+          <a:fontRef idx="minor">
+            <a:schemeClr val="tx1"/>
+          </a:fontRef>
+        </p:style>
+      </p:cxnSp>
+      <p:sp>
+        <p:nvSpPr>
+          <p:cNvPr id="17" name="矩形 16">
+            <a:extLst>
+              <a:ext uri="{FF2B5EF4-FFF2-40B4-BE49-F238E27FC236}">
+                <a16:creationId xmlns:a16="http://schemas.microsoft.com/office/drawing/2014/main" id="{CDD0D014-85CA-43CC-8C56-E78F9096333A}"/>
+              </a:ext>
+            </a:extLst>
+          </p:cNvPr>
+          <p:cNvSpPr/>
+          <p:nvPr/>
+        </p:nvSpPr>
+        <p:spPr>
+          <a:xfrm>
+            <a:off x="3238499" y="2159000"/>
+            <a:ext cx="5935981" cy="2790711"/>
+          </a:xfrm>
+          <a:prstGeom prst="rect">
+            <a:avLst/>
+          </a:prstGeom>
+          <a:noFill/>
+        </p:spPr>
+        <p:style>
+          <a:lnRef idx="2">
+            <a:schemeClr val="accent1">
+              <a:shade val="50000"/>
+            </a:schemeClr>
+          </a:lnRef>
+          <a:fillRef idx="1">
+            <a:schemeClr val="accent1"/>
+          </a:fillRef>
+          <a:effectRef idx="0">
+            <a:schemeClr val="accent1"/>
+          </a:effectRef>
+          <a:fontRef idx="minor">
+            <a:schemeClr val="lt1"/>
+          </a:fontRef>
+        </p:style>
+        <p:txBody>
+          <a:bodyPr rtlCol="0" anchor="ctr"/>
+          <a:lstStyle/>
+          <a:p>
+            <a:pPr algn="ctr"/>
+            <a:endParaRPr lang="zh-CN" altLang="en-US"/>
+          </a:p>
+        </p:txBody>
+      </p:sp>
+      <p:sp>
+        <p:nvSpPr>
+          <p:cNvPr id="18" name="文本框 17">
+            <a:extLst>
+              <a:ext uri="{FF2B5EF4-FFF2-40B4-BE49-F238E27FC236}">
+                <a16:creationId xmlns:a16="http://schemas.microsoft.com/office/drawing/2014/main" id="{ECC9F0BF-2002-42E3-8F4D-5111684C3AF9}"/>
+              </a:ext>
+            </a:extLst>
+          </p:cNvPr>
+          <p:cNvSpPr txBox="1"/>
+          <p:nvPr/>
+        </p:nvSpPr>
+        <p:spPr>
+          <a:xfrm>
+            <a:off x="4933583" y="2589239"/>
+            <a:ext cx="359394" cy="369332"/>
+          </a:xfrm>
+          <a:prstGeom prst="rect">
+            <a:avLst/>
+          </a:prstGeom>
+          <a:noFill/>
+        </p:spPr>
+        <p:txBody>
+          <a:bodyPr wrap="none" rtlCol="0">
+            <a:spAutoFit/>
+          </a:bodyPr>
+          <a:lstStyle/>
+          <a:p>
+            <a:r>
+              <a:rPr lang="en-US" altLang="zh-CN" dirty="0"/>
+              <a:t>Q</a:t>
+            </a:r>
+            <a:endParaRPr lang="zh-CN" altLang="en-US" dirty="0"/>
+          </a:p>
+        </p:txBody>
+      </p:sp>
+      <p:sp>
+        <p:nvSpPr>
+          <p:cNvPr id="25" name="文本框 24">
+            <a:extLst>
+              <a:ext uri="{FF2B5EF4-FFF2-40B4-BE49-F238E27FC236}">
+                <a16:creationId xmlns:a16="http://schemas.microsoft.com/office/drawing/2014/main" id="{BA155BAF-A146-43D4-988A-0C012A52EAF5}"/>
+              </a:ext>
+            </a:extLst>
+          </p:cNvPr>
+          <p:cNvSpPr txBox="1"/>
+          <p:nvPr/>
+        </p:nvSpPr>
+        <p:spPr>
+          <a:xfrm>
+            <a:off x="2452066" y="2617002"/>
+            <a:ext cx="343364" cy="369332"/>
+          </a:xfrm>
+          <a:prstGeom prst="rect">
+            <a:avLst/>
+          </a:prstGeom>
+          <a:noFill/>
+        </p:spPr>
+        <p:txBody>
+          <a:bodyPr wrap="none" rtlCol="0">
+            <a:spAutoFit/>
+          </a:bodyPr>
+          <a:lstStyle/>
+          <a:p>
+            <a:r>
+              <a:rPr lang="en-US" altLang="zh-CN" dirty="0"/>
+              <a:t>A</a:t>
+            </a:r>
+            <a:endParaRPr lang="zh-CN" altLang="en-US" dirty="0"/>
+          </a:p>
+        </p:txBody>
+      </p:sp>
+      <p:sp>
+        <p:nvSpPr>
+          <p:cNvPr id="26" name="文本框 25">
+            <a:extLst>
+              <a:ext uri="{FF2B5EF4-FFF2-40B4-BE49-F238E27FC236}">
+                <a16:creationId xmlns:a16="http://schemas.microsoft.com/office/drawing/2014/main" id="{18CC4B29-6DBB-4A5B-ABC1-1F774D8861F2}"/>
+              </a:ext>
+            </a:extLst>
+          </p:cNvPr>
+          <p:cNvSpPr txBox="1"/>
+          <p:nvPr/>
+        </p:nvSpPr>
+        <p:spPr>
+          <a:xfrm>
+            <a:off x="2340768" y="3129510"/>
+            <a:ext cx="562975" cy="369332"/>
+          </a:xfrm>
+          <a:prstGeom prst="rect">
+            <a:avLst/>
+          </a:prstGeom>
+          <a:noFill/>
+        </p:spPr>
+        <p:txBody>
+          <a:bodyPr wrap="none" rtlCol="0">
+            <a:spAutoFit/>
+          </a:bodyPr>
+          <a:lstStyle/>
+          <a:p>
+            <a:r>
+              <a:rPr lang="en-US" altLang="zh-CN" dirty="0"/>
+              <a:t>CLK</a:t>
+            </a:r>
+            <a:endParaRPr lang="zh-CN" altLang="en-US" dirty="0"/>
+          </a:p>
+        </p:txBody>
+      </p:sp>
+      <p:sp>
+        <p:nvSpPr>
+          <p:cNvPr id="27" name="文本框 26">
+            <a:extLst>
+              <a:ext uri="{FF2B5EF4-FFF2-40B4-BE49-F238E27FC236}">
+                <a16:creationId xmlns:a16="http://schemas.microsoft.com/office/drawing/2014/main" id="{40C6D484-0B33-44EC-979B-52937D42B6ED}"/>
+              </a:ext>
+            </a:extLst>
+          </p:cNvPr>
+          <p:cNvSpPr txBox="1"/>
+          <p:nvPr/>
+        </p:nvSpPr>
+        <p:spPr>
+          <a:xfrm>
+            <a:off x="9599968" y="2578720"/>
+            <a:ext cx="764953" cy="369332"/>
+          </a:xfrm>
+          <a:prstGeom prst="rect">
+            <a:avLst/>
+          </a:prstGeom>
+          <a:noFill/>
+        </p:spPr>
+        <p:txBody>
+          <a:bodyPr wrap="none" rtlCol="0">
+            <a:spAutoFit/>
+          </a:bodyPr>
+          <a:lstStyle/>
+          <a:p>
+            <a:r>
+              <a:rPr lang="en-US" altLang="zh-CN" dirty="0"/>
+              <a:t>OUTZ</a:t>
+            </a:r>
+          </a:p>
+        </p:txBody>
+      </p:sp>
+      <p:sp>
+        <p:nvSpPr>
+          <p:cNvPr id="28" name="云形 27">
+            <a:extLst>
+              <a:ext uri="{FF2B5EF4-FFF2-40B4-BE49-F238E27FC236}">
+                <a16:creationId xmlns:a16="http://schemas.microsoft.com/office/drawing/2014/main" id="{B8D5E3EB-9934-463B-BE3E-E4D987EF3BCC}"/>
+              </a:ext>
+            </a:extLst>
+          </p:cNvPr>
+          <p:cNvSpPr/>
+          <p:nvPr/>
+        </p:nvSpPr>
+        <p:spPr>
+          <a:xfrm>
+            <a:off x="8045477" y="2501726"/>
+            <a:ext cx="793103" cy="558092"/>
+          </a:xfrm>
+          <a:prstGeom prst="cloud">
+            <a:avLst/>
+          </a:prstGeom>
+          <a:noFill/>
+        </p:spPr>
+        <p:style>
+          <a:lnRef idx="2">
+            <a:schemeClr val="accent1">
+              <a:shade val="50000"/>
+            </a:schemeClr>
+          </a:lnRef>
+          <a:fillRef idx="1">
+            <a:schemeClr val="accent1"/>
+          </a:fillRef>
+          <a:effectRef idx="0">
+            <a:schemeClr val="accent1"/>
+          </a:effectRef>
+          <a:fontRef idx="minor">
+            <a:schemeClr val="lt1"/>
+          </a:fontRef>
+        </p:style>
+        <p:txBody>
+          <a:bodyPr rtlCol="0" anchor="ctr"/>
+          <a:lstStyle/>
+          <a:p>
+            <a:pPr algn="ctr"/>
+            <a:r>
+              <a:rPr lang="en-US" altLang="zh-CN" dirty="0">
+                <a:solidFill>
+                  <a:schemeClr val="tx1"/>
+                </a:solidFill>
+              </a:rPr>
+              <a:t>P3</a:t>
+            </a:r>
+            <a:endParaRPr lang="zh-CN" altLang="en-US" dirty="0">
+              <a:solidFill>
+                <a:schemeClr val="tx1"/>
+              </a:solidFill>
+            </a:endParaRPr>
+          </a:p>
+        </p:txBody>
+      </p:sp>
+      <p:sp>
+        <p:nvSpPr>
+          <p:cNvPr id="36" name="矩形 35">
+            <a:extLst>
+              <a:ext uri="{FF2B5EF4-FFF2-40B4-BE49-F238E27FC236}">
+                <a16:creationId xmlns:a16="http://schemas.microsoft.com/office/drawing/2014/main" id="{130E165E-668D-467F-B42B-F989E2EE543A}"/>
+              </a:ext>
+            </a:extLst>
+          </p:cNvPr>
+          <p:cNvSpPr/>
+          <p:nvPr/>
+        </p:nvSpPr>
+        <p:spPr>
+          <a:xfrm>
+            <a:off x="6769051" y="2543242"/>
+            <a:ext cx="575953" cy="1033153"/>
+          </a:xfrm>
+          <a:prstGeom prst="rect">
+            <a:avLst/>
+          </a:prstGeom>
+          <a:noFill/>
+        </p:spPr>
+        <p:style>
+          <a:lnRef idx="2">
+            <a:schemeClr val="accent1">
+              <a:shade val="50000"/>
+            </a:schemeClr>
+          </a:lnRef>
+          <a:fillRef idx="1">
+            <a:schemeClr val="accent1"/>
+          </a:fillRef>
+          <a:effectRef idx="0">
+            <a:schemeClr val="accent1"/>
+          </a:effectRef>
+          <a:fontRef idx="minor">
+            <a:schemeClr val="lt1"/>
+          </a:fontRef>
+        </p:style>
+        <p:txBody>
+          <a:bodyPr rtlCol="0" anchor="ctr"/>
+          <a:lstStyle/>
+          <a:p>
+            <a:pPr algn="ctr"/>
+            <a:endParaRPr lang="zh-CN" altLang="en-US" dirty="0">
+              <a:solidFill>
+                <a:schemeClr val="tx1"/>
+              </a:solidFill>
+            </a:endParaRPr>
+          </a:p>
+        </p:txBody>
+      </p:sp>
+      <p:sp>
+        <p:nvSpPr>
+          <p:cNvPr id="37" name="直角三角形 36">
+            <a:extLst>
+              <a:ext uri="{FF2B5EF4-FFF2-40B4-BE49-F238E27FC236}">
+                <a16:creationId xmlns:a16="http://schemas.microsoft.com/office/drawing/2014/main" id="{553CD72F-6409-4A55-861B-6B85905542E6}"/>
+              </a:ext>
+            </a:extLst>
+          </p:cNvPr>
+          <p:cNvSpPr/>
+          <p:nvPr/>
+        </p:nvSpPr>
+        <p:spPr>
+          <a:xfrm rot="13320000">
+            <a:off x="6665560" y="3200918"/>
+            <a:ext cx="206982" cy="226517"/>
+          </a:xfrm>
+          <a:prstGeom prst="rtTriangle">
+            <a:avLst/>
+          </a:prstGeom>
+          <a:noFill/>
+        </p:spPr>
+        <p:style>
+          <a:lnRef idx="2">
+            <a:schemeClr val="accent1">
+              <a:shade val="50000"/>
+            </a:schemeClr>
+          </a:lnRef>
+          <a:fillRef idx="1">
+            <a:schemeClr val="accent1"/>
+          </a:fillRef>
+          <a:effectRef idx="0">
+            <a:schemeClr val="accent1"/>
+          </a:effectRef>
+          <a:fontRef idx="minor">
+            <a:schemeClr val="lt1"/>
+          </a:fontRef>
+        </p:style>
+        <p:txBody>
+          <a:bodyPr rtlCol="0" anchor="ctr"/>
+          <a:lstStyle/>
+          <a:p>
+            <a:pPr algn="ctr"/>
+            <a:endParaRPr lang="zh-CN" altLang="en-US"/>
+          </a:p>
+        </p:txBody>
+      </p:sp>
+      <p:cxnSp>
+        <p:nvCxnSpPr>
+          <p:cNvPr id="38" name="直接连接符 37">
+            <a:extLst>
+              <a:ext uri="{FF2B5EF4-FFF2-40B4-BE49-F238E27FC236}">
+                <a16:creationId xmlns:a16="http://schemas.microsoft.com/office/drawing/2014/main" id="{D1DDFC0A-5D98-4FC2-879B-02CBAA46F7DF}"/>
+              </a:ext>
+            </a:extLst>
+          </p:cNvPr>
+          <p:cNvCxnSpPr>
+            <a:cxnSpLocks/>
+          </p:cNvCxnSpPr>
+          <p:nvPr/>
+        </p:nvCxnSpPr>
+        <p:spPr>
+          <a:xfrm>
+            <a:off x="6514811" y="2787650"/>
+            <a:ext cx="254240" cy="0"/>
+          </a:xfrm>
+          <a:prstGeom prst="line">
+            <a:avLst/>
+          </a:prstGeom>
+        </p:spPr>
+        <p:style>
+          <a:lnRef idx="1">
+            <a:schemeClr val="accent1"/>
+          </a:lnRef>
+          <a:fillRef idx="0">
+            <a:schemeClr val="accent1"/>
+          </a:fillRef>
+          <a:effectRef idx="0">
+            <a:schemeClr val="accent1"/>
+          </a:effectRef>
+          <a:fontRef idx="minor">
+            <a:schemeClr val="tx1"/>
+          </a:fontRef>
+        </p:style>
+      </p:cxnSp>
+      <p:sp>
+        <p:nvSpPr>
+          <p:cNvPr id="39" name="文本框 38">
+            <a:extLst>
+              <a:ext uri="{FF2B5EF4-FFF2-40B4-BE49-F238E27FC236}">
+                <a16:creationId xmlns:a16="http://schemas.microsoft.com/office/drawing/2014/main" id="{0710D279-7F82-47B1-82BD-0EAE8F2E7C72}"/>
+              </a:ext>
+            </a:extLst>
+          </p:cNvPr>
+          <p:cNvSpPr txBox="1"/>
+          <p:nvPr/>
+        </p:nvSpPr>
+        <p:spPr>
+          <a:xfrm>
+            <a:off x="6717460" y="2589239"/>
+            <a:ext cx="343364" cy="369332"/>
+          </a:xfrm>
+          <a:prstGeom prst="rect">
+            <a:avLst/>
+          </a:prstGeom>
+          <a:noFill/>
+        </p:spPr>
+        <p:txBody>
+          <a:bodyPr wrap="none" rtlCol="0">
+            <a:spAutoFit/>
+          </a:bodyPr>
+          <a:lstStyle/>
+          <a:p>
+            <a:r>
+              <a:rPr lang="en-US" altLang="zh-CN" dirty="0"/>
+              <a:t>D</a:t>
+            </a:r>
+            <a:endParaRPr lang="zh-CN" altLang="en-US" dirty="0"/>
+          </a:p>
+        </p:txBody>
+      </p:sp>
+      <p:sp>
+        <p:nvSpPr>
+          <p:cNvPr id="40" name="文本框 39">
+            <a:extLst>
+              <a:ext uri="{FF2B5EF4-FFF2-40B4-BE49-F238E27FC236}">
+                <a16:creationId xmlns:a16="http://schemas.microsoft.com/office/drawing/2014/main" id="{147C9A1B-1A0A-4EA0-A6EF-E3550A89A10E}"/>
+              </a:ext>
+            </a:extLst>
+          </p:cNvPr>
+          <p:cNvSpPr txBox="1"/>
+          <p:nvPr/>
+        </p:nvSpPr>
+        <p:spPr>
+          <a:xfrm>
+            <a:off x="7049138" y="2589239"/>
+            <a:ext cx="359394" cy="369332"/>
+          </a:xfrm>
+          <a:prstGeom prst="rect">
+            <a:avLst/>
+          </a:prstGeom>
+          <a:noFill/>
+        </p:spPr>
+        <p:txBody>
+          <a:bodyPr wrap="none" rtlCol="0">
+            <a:spAutoFit/>
+          </a:bodyPr>
+          <a:lstStyle/>
+          <a:p>
+            <a:r>
+              <a:rPr lang="en-US" altLang="zh-CN" dirty="0"/>
+              <a:t>Q</a:t>
+            </a:r>
+            <a:endParaRPr lang="zh-CN" altLang="en-US" dirty="0"/>
+          </a:p>
+        </p:txBody>
+      </p:sp>
+      <p:cxnSp>
+        <p:nvCxnSpPr>
+          <p:cNvPr id="42" name="直接连接符 41">
+            <a:extLst>
+              <a:ext uri="{FF2B5EF4-FFF2-40B4-BE49-F238E27FC236}">
+                <a16:creationId xmlns:a16="http://schemas.microsoft.com/office/drawing/2014/main" id="{8BCEAA2A-5162-430E-A621-73AF879A2934}"/>
+              </a:ext>
+            </a:extLst>
+          </p:cNvPr>
+          <p:cNvCxnSpPr>
+            <a:cxnSpLocks/>
+            <a:stCxn id="28" idx="2"/>
+          </p:cNvCxnSpPr>
+          <p:nvPr/>
+        </p:nvCxnSpPr>
+        <p:spPr>
+          <a:xfrm flipH="1">
+            <a:off x="7340913" y="2780772"/>
+            <a:ext cx="707024" cy="1094"/>
+          </a:xfrm>
+          <a:prstGeom prst="line">
+            <a:avLst/>
+          </a:prstGeom>
+        </p:spPr>
+        <p:style>
+          <a:lnRef idx="1">
+            <a:schemeClr val="accent1"/>
+          </a:lnRef>
+          <a:fillRef idx="0">
+            <a:schemeClr val="accent1"/>
+          </a:fillRef>
+          <a:effectRef idx="0">
+            <a:schemeClr val="accent1"/>
+          </a:effectRef>
+          <a:fontRef idx="minor">
+            <a:schemeClr val="tx1"/>
+          </a:fontRef>
+        </p:style>
+      </p:cxnSp>
+      <p:cxnSp>
+        <p:nvCxnSpPr>
+          <p:cNvPr id="51" name="连接符: 肘形 50">
+            <a:extLst>
+              <a:ext uri="{FF2B5EF4-FFF2-40B4-BE49-F238E27FC236}">
+                <a16:creationId xmlns:a16="http://schemas.microsoft.com/office/drawing/2014/main" id="{AE1DB2E0-FCB4-41DD-920A-B60C40537E6E}"/>
+              </a:ext>
+            </a:extLst>
+          </p:cNvPr>
+          <p:cNvCxnSpPr>
+            <a:cxnSpLocks/>
+            <a:endCxn id="11" idx="2"/>
+          </p:cNvCxnSpPr>
+          <p:nvPr/>
+        </p:nvCxnSpPr>
+        <p:spPr>
+          <a:xfrm>
+            <a:off x="3400327" y="2801668"/>
+            <a:ext cx="1898237" cy="1638193"/>
+          </a:xfrm>
+          <a:prstGeom prst="bentConnector3">
+            <a:avLst>
+              <a:gd name="adj1" fmla="val 2331"/>
+            </a:avLst>
+          </a:prstGeom>
+        </p:spPr>
+        <p:style>
+          <a:lnRef idx="1">
+            <a:schemeClr val="accent1"/>
+          </a:lnRef>
+          <a:fillRef idx="0">
+            <a:schemeClr val="accent1"/>
+          </a:fillRef>
+          <a:effectRef idx="0">
+            <a:schemeClr val="accent1"/>
+          </a:effectRef>
+          <a:fontRef idx="minor">
+            <a:schemeClr val="tx1"/>
+          </a:fontRef>
+        </p:style>
+      </p:cxnSp>
+      <p:sp>
+        <p:nvSpPr>
+          <p:cNvPr id="57" name="椭圆 56">
+            <a:extLst>
+              <a:ext uri="{FF2B5EF4-FFF2-40B4-BE49-F238E27FC236}">
+                <a16:creationId xmlns:a16="http://schemas.microsoft.com/office/drawing/2014/main" id="{E5B2270A-834D-4FF6-873C-0F8806F104D7}"/>
+              </a:ext>
+            </a:extLst>
+          </p:cNvPr>
+          <p:cNvSpPr/>
+          <p:nvPr/>
+        </p:nvSpPr>
+        <p:spPr>
+          <a:xfrm>
+            <a:off x="3418344" y="2780772"/>
+            <a:ext cx="45719" cy="45719"/>
+          </a:xfrm>
+          <a:prstGeom prst="ellipse">
+            <a:avLst/>
+          </a:prstGeom>
+        </p:spPr>
+        <p:style>
+          <a:lnRef idx="2">
+            <a:schemeClr val="accent1">
+              <a:shade val="50000"/>
+            </a:schemeClr>
+          </a:lnRef>
+          <a:fillRef idx="1">
+            <a:schemeClr val="accent1"/>
+          </a:fillRef>
+          <a:effectRef idx="0">
+            <a:schemeClr val="accent1"/>
+          </a:effectRef>
+          <a:fontRef idx="minor">
+            <a:schemeClr val="lt1"/>
+          </a:fontRef>
+        </p:style>
+        <p:txBody>
+          <a:bodyPr rtlCol="0" anchor="ctr"/>
+          <a:lstStyle/>
+          <a:p>
+            <a:pPr algn="ctr"/>
+            <a:endParaRPr lang="zh-CN" altLang="en-US"/>
+          </a:p>
+        </p:txBody>
+      </p:sp>
+      <p:cxnSp>
+        <p:nvCxnSpPr>
+          <p:cNvPr id="59" name="连接符: 肘形 58">
+            <a:extLst>
+              <a:ext uri="{FF2B5EF4-FFF2-40B4-BE49-F238E27FC236}">
+                <a16:creationId xmlns:a16="http://schemas.microsoft.com/office/drawing/2014/main" id="{B0C7C2BB-A390-4656-A70E-FCC9DBD10B33}"/>
+              </a:ext>
+            </a:extLst>
+          </p:cNvPr>
+          <p:cNvCxnSpPr>
+            <a:cxnSpLocks/>
+            <a:stCxn id="11" idx="0"/>
+          </p:cNvCxnSpPr>
+          <p:nvPr/>
+        </p:nvCxnSpPr>
+        <p:spPr>
+          <a:xfrm flipV="1">
+            <a:off x="6408993" y="2763386"/>
+            <a:ext cx="2574987" cy="1676475"/>
+          </a:xfrm>
+          <a:prstGeom prst="bentConnector3">
+            <a:avLst>
+              <a:gd name="adj1" fmla="val 100400"/>
+            </a:avLst>
+          </a:prstGeom>
+        </p:spPr>
+        <p:style>
+          <a:lnRef idx="1">
+            <a:schemeClr val="accent1"/>
+          </a:lnRef>
+          <a:fillRef idx="0">
+            <a:schemeClr val="accent1"/>
+          </a:fillRef>
+          <a:effectRef idx="0">
+            <a:schemeClr val="accent1"/>
+          </a:effectRef>
+          <a:fontRef idx="minor">
+            <a:schemeClr val="tx1"/>
+          </a:fontRef>
+        </p:style>
+      </p:cxnSp>
+      <p:sp>
+        <p:nvSpPr>
+          <p:cNvPr id="62" name="椭圆 61">
+            <a:extLst>
+              <a:ext uri="{FF2B5EF4-FFF2-40B4-BE49-F238E27FC236}">
+                <a16:creationId xmlns:a16="http://schemas.microsoft.com/office/drawing/2014/main" id="{5B016242-137B-4D10-8EB0-1EBC979C8101}"/>
+              </a:ext>
+            </a:extLst>
+          </p:cNvPr>
+          <p:cNvSpPr/>
+          <p:nvPr/>
+        </p:nvSpPr>
+        <p:spPr>
+          <a:xfrm>
+            <a:off x="8970024" y="2741931"/>
+            <a:ext cx="45719" cy="45719"/>
+          </a:xfrm>
+          <a:prstGeom prst="ellipse">
+            <a:avLst/>
+          </a:prstGeom>
+        </p:spPr>
+        <p:style>
+          <a:lnRef idx="2">
+            <a:schemeClr val="accent1">
+              <a:shade val="50000"/>
+            </a:schemeClr>
+          </a:lnRef>
+          <a:fillRef idx="1">
+            <a:schemeClr val="accent1"/>
+          </a:fillRef>
+          <a:effectRef idx="0">
+            <a:schemeClr val="accent1"/>
+          </a:effectRef>
+          <a:fontRef idx="minor">
+            <a:schemeClr val="lt1"/>
+          </a:fontRef>
+        </p:style>
+        <p:txBody>
+          <a:bodyPr rtlCol="0" anchor="ctr"/>
+          <a:lstStyle/>
+          <a:p>
+            <a:pPr algn="ctr"/>
+            <a:endParaRPr lang="zh-CN" altLang="en-US"/>
+          </a:p>
+        </p:txBody>
+      </p:sp>
+    </p:spTree>
+    <p:extLst>
+      <p:ext uri="{BB962C8B-B14F-4D97-AF65-F5344CB8AC3E}">
+        <p14:creationId xmlns:p14="http://schemas.microsoft.com/office/powerpoint/2010/main" val="2815106482"/>
+      </p:ext>
+    </p:extLst>
+  </p:cSld>
+  <p:clrMapOvr>
+    <a:masterClrMapping/>
+  </p:clrMapOvr>
+</p:sld>
+</file>
+
 <file path=ppt/theme/theme1.xml><?xml version="1.0" encoding="utf-8"?>
 <a:theme xmlns:a="http://schemas.openxmlformats.org/drawingml/2006/main" name="Office 主题​​">
   <a:themeElements>
